--- a/Parameter Estimation Works/SERVO DRIVELINE TRANSMISSION AND FAULT MATHEMATICAL MODEL/flowchart_servo_fault.pptx
+++ b/Parameter Estimation Works/SERVO DRIVELINE TRANSMISSION AND FAULT MATHEMATICAL MODEL/flowchart_servo_fault.pptx
@@ -195,7 +195,7 @@
             <a:fld id="{6E366200-1722-4CDE-B6EE-1027A6DE0785}" type="datetimeFigureOut">
               <a:rPr lang="en-US" smtClean="0"/>
               <a:pPr/>
-              <a:t>10/21/2020</a:t>
+              <a:t>10/23/2020</a:t>
             </a:fld>
             <a:endParaRPr lang="en-US"/>
           </a:p>
@@ -725,7 +725,7 @@
             <a:fld id="{D9F75050-0E15-4C5B-92B0-66D068882F1F}" type="datetimeFigureOut">
               <a:rPr lang="tr-TR" smtClean="0"/>
               <a:pPr/>
-              <a:t>21.10.2020</a:t>
+              <a:t>23.10.2020</a:t>
             </a:fld>
             <a:endParaRPr lang="tr-TR"/>
           </a:p>
@@ -892,7 +892,7 @@
             <a:fld id="{D9F75050-0E15-4C5B-92B0-66D068882F1F}" type="datetimeFigureOut">
               <a:rPr lang="tr-TR" smtClean="0"/>
               <a:pPr/>
-              <a:t>21.10.2020</a:t>
+              <a:t>23.10.2020</a:t>
             </a:fld>
             <a:endParaRPr lang="tr-TR"/>
           </a:p>
@@ -1069,7 +1069,7 @@
             <a:fld id="{D9F75050-0E15-4C5B-92B0-66D068882F1F}" type="datetimeFigureOut">
               <a:rPr lang="tr-TR" smtClean="0"/>
               <a:pPr/>
-              <a:t>21.10.2020</a:t>
+              <a:t>23.10.2020</a:t>
             </a:fld>
             <a:endParaRPr lang="tr-TR"/>
           </a:p>
@@ -1236,7 +1236,7 @@
             <a:fld id="{D9F75050-0E15-4C5B-92B0-66D068882F1F}" type="datetimeFigureOut">
               <a:rPr lang="tr-TR" smtClean="0"/>
               <a:pPr/>
-              <a:t>21.10.2020</a:t>
+              <a:t>23.10.2020</a:t>
             </a:fld>
             <a:endParaRPr lang="tr-TR"/>
           </a:p>
@@ -1479,7 +1479,7 @@
             <a:fld id="{D9F75050-0E15-4C5B-92B0-66D068882F1F}" type="datetimeFigureOut">
               <a:rPr lang="tr-TR" smtClean="0"/>
               <a:pPr/>
-              <a:t>21.10.2020</a:t>
+              <a:t>23.10.2020</a:t>
             </a:fld>
             <a:endParaRPr lang="tr-TR"/>
           </a:p>
@@ -1764,7 +1764,7 @@
             <a:fld id="{D9F75050-0E15-4C5B-92B0-66D068882F1F}" type="datetimeFigureOut">
               <a:rPr lang="tr-TR" smtClean="0"/>
               <a:pPr/>
-              <a:t>21.10.2020</a:t>
+              <a:t>23.10.2020</a:t>
             </a:fld>
             <a:endParaRPr lang="tr-TR"/>
           </a:p>
@@ -2183,7 +2183,7 @@
             <a:fld id="{D9F75050-0E15-4C5B-92B0-66D068882F1F}" type="datetimeFigureOut">
               <a:rPr lang="tr-TR" smtClean="0"/>
               <a:pPr/>
-              <a:t>21.10.2020</a:t>
+              <a:t>23.10.2020</a:t>
             </a:fld>
             <a:endParaRPr lang="tr-TR"/>
           </a:p>
@@ -2298,7 +2298,7 @@
             <a:fld id="{D9F75050-0E15-4C5B-92B0-66D068882F1F}" type="datetimeFigureOut">
               <a:rPr lang="tr-TR" smtClean="0"/>
               <a:pPr/>
-              <a:t>21.10.2020</a:t>
+              <a:t>23.10.2020</a:t>
             </a:fld>
             <a:endParaRPr lang="tr-TR"/>
           </a:p>
@@ -2390,7 +2390,7 @@
             <a:fld id="{D9F75050-0E15-4C5B-92B0-66D068882F1F}" type="datetimeFigureOut">
               <a:rPr lang="tr-TR" smtClean="0"/>
               <a:pPr/>
-              <a:t>21.10.2020</a:t>
+              <a:t>23.10.2020</a:t>
             </a:fld>
             <a:endParaRPr lang="tr-TR"/>
           </a:p>
@@ -2664,7 +2664,7 @@
             <a:fld id="{D9F75050-0E15-4C5B-92B0-66D068882F1F}" type="datetimeFigureOut">
               <a:rPr lang="tr-TR" smtClean="0"/>
               <a:pPr/>
-              <a:t>21.10.2020</a:t>
+              <a:t>23.10.2020</a:t>
             </a:fld>
             <a:endParaRPr lang="tr-TR"/>
           </a:p>
@@ -2914,7 +2914,7 @@
             <a:fld id="{D9F75050-0E15-4C5B-92B0-66D068882F1F}" type="datetimeFigureOut">
               <a:rPr lang="tr-TR" smtClean="0"/>
               <a:pPr/>
-              <a:t>21.10.2020</a:t>
+              <a:t>23.10.2020</a:t>
             </a:fld>
             <a:endParaRPr lang="tr-TR"/>
           </a:p>
@@ -3124,7 +3124,7 @@
             <a:fld id="{D9F75050-0E15-4C5B-92B0-66D068882F1F}" type="datetimeFigureOut">
               <a:rPr lang="tr-TR" smtClean="0"/>
               <a:pPr/>
-              <a:t>21.10.2020</a:t>
+              <a:t>23.10.2020</a:t>
             </a:fld>
             <a:endParaRPr lang="tr-TR"/>
           </a:p>
@@ -11347,6 +11347,194 @@
           <a:xfrm>
             <a:off x="1939702" y="2816932"/>
             <a:ext cx="400050" cy="333375"/>
+          </a:xfrm>
+          <a:prstGeom prst="rect">
+            <a:avLst/>
+          </a:prstGeom>
+          <a:noFill/>
+        </p:spPr>
+      </p:pic>
+      <p:sp>
+        <p:nvSpPr>
+          <p:cNvPr id="2" name="Rectangle 2"/>
+          <p:cNvSpPr>
+            <a:spLocks noChangeArrowheads="1"/>
+          </p:cNvSpPr>
+          <p:nvPr/>
+        </p:nvSpPr>
+        <p:spPr bwMode="auto">
+          <a:xfrm>
+            <a:off x="0" y="0"/>
+            <a:ext cx="9144000" cy="0"/>
+          </a:xfrm>
+          <a:prstGeom prst="rect">
+            <a:avLst/>
+          </a:prstGeom>
+          <a:noFill/>
+          <a:ln w="9525">
+            <a:noFill/>
+            <a:miter lim="800000"/>
+            <a:headEnd/>
+            <a:tailEnd/>
+          </a:ln>
+          <a:effectLst/>
+        </p:spPr>
+        <p:txBody>
+          <a:bodyPr vert="horz" wrap="none" lIns="91440" tIns="45720" rIns="91440" bIns="45720" numCol="1" anchor="ctr" anchorCtr="0" compatLnSpc="1">
+            <a:prstTxWarp prst="textNoShape">
+              <a:avLst/>
+            </a:prstTxWarp>
+            <a:spAutoFit/>
+          </a:bodyPr>
+          <a:lstStyle/>
+          <a:p>
+            <a:endParaRPr lang="en-US"/>
+          </a:p>
+        </p:txBody>
+      </p:sp>
+      <p:sp>
+        <p:nvSpPr>
+          <p:cNvPr id="7" name="Rectangle 4"/>
+          <p:cNvSpPr>
+            <a:spLocks noChangeArrowheads="1"/>
+          </p:cNvSpPr>
+          <p:nvPr/>
+        </p:nvSpPr>
+        <p:spPr bwMode="auto">
+          <a:xfrm>
+            <a:off x="0" y="0"/>
+            <a:ext cx="9144000" cy="0"/>
+          </a:xfrm>
+          <a:prstGeom prst="rect">
+            <a:avLst/>
+          </a:prstGeom>
+          <a:noFill/>
+          <a:ln w="9525">
+            <a:noFill/>
+            <a:miter lim="800000"/>
+            <a:headEnd/>
+            <a:tailEnd/>
+          </a:ln>
+          <a:effectLst/>
+        </p:spPr>
+        <p:txBody>
+          <a:bodyPr vert="horz" wrap="none" lIns="91440" tIns="45720" rIns="91440" bIns="45720" numCol="1" anchor="ctr" anchorCtr="0" compatLnSpc="1">
+            <a:prstTxWarp prst="textNoShape">
+              <a:avLst/>
+            </a:prstTxWarp>
+            <a:spAutoFit/>
+          </a:bodyPr>
+          <a:lstStyle/>
+          <a:p>
+            <a:endParaRPr lang="en-US"/>
+          </a:p>
+        </p:txBody>
+      </p:sp>
+      <p:pic>
+        <p:nvPicPr>
+          <p:cNvPr id="11" name="Picture 3"/>
+          <p:cNvPicPr>
+            <a:picLocks noChangeAspect="1" noChangeArrowheads="1"/>
+          </p:cNvPicPr>
+          <p:nvPr/>
+        </p:nvPicPr>
+        <p:blipFill>
+          <a:blip r:embed="rId14" cstate="print">
+            <a:clrChange>
+              <a:clrFrom>
+                <a:srgbClr val="FFFFFF"/>
+              </a:clrFrom>
+              <a:clrTo>
+                <a:srgbClr val="FFFFFF">
+                  <a:alpha val="0"/>
+                </a:srgbClr>
+              </a:clrTo>
+            </a:clrChange>
+          </a:blip>
+          <a:srcRect/>
+          <a:stretch>
+            <a:fillRect/>
+          </a:stretch>
+        </p:blipFill>
+        <p:spPr bwMode="auto">
+          <a:xfrm>
+            <a:off x="2843808" y="620688"/>
+            <a:ext cx="314325" cy="342900"/>
+          </a:xfrm>
+          <a:prstGeom prst="rect">
+            <a:avLst/>
+          </a:prstGeom>
+          <a:noFill/>
+        </p:spPr>
+      </p:pic>
+      <p:sp>
+        <p:nvSpPr>
+          <p:cNvPr id="3078" name="Rectangle 6"/>
+          <p:cNvSpPr>
+            <a:spLocks noChangeArrowheads="1"/>
+          </p:cNvSpPr>
+          <p:nvPr/>
+        </p:nvSpPr>
+        <p:spPr bwMode="auto">
+          <a:xfrm>
+            <a:off x="0" y="0"/>
+            <a:ext cx="9144000" cy="0"/>
+          </a:xfrm>
+          <a:prstGeom prst="rect">
+            <a:avLst/>
+          </a:prstGeom>
+          <a:noFill/>
+          <a:ln w="9525">
+            <a:noFill/>
+            <a:miter lim="800000"/>
+            <a:headEnd/>
+            <a:tailEnd/>
+          </a:ln>
+          <a:effectLst/>
+        </p:spPr>
+        <p:txBody>
+          <a:bodyPr vert="horz" wrap="none" lIns="91440" tIns="45720" rIns="91440" bIns="45720" numCol="1" anchor="ctr" anchorCtr="0" compatLnSpc="1">
+            <a:prstTxWarp prst="textNoShape">
+              <a:avLst/>
+            </a:prstTxWarp>
+            <a:spAutoFit/>
+          </a:bodyPr>
+          <a:lstStyle/>
+          <a:p>
+            <a:endParaRPr lang="en-US"/>
+          </a:p>
+        </p:txBody>
+      </p:sp>
+      <p:pic>
+        <p:nvPicPr>
+          <p:cNvPr id="3077" name="Picture 5"/>
+          <p:cNvPicPr>
+            <a:picLocks noChangeAspect="1" noChangeArrowheads="1"/>
+          </p:cNvPicPr>
+          <p:nvPr/>
+        </p:nvPicPr>
+        <p:blipFill>
+          <a:blip r:embed="rId15" cstate="print">
+            <a:clrChange>
+              <a:clrFrom>
+                <a:srgbClr val="FFFFFF"/>
+              </a:clrFrom>
+              <a:clrTo>
+                <a:srgbClr val="FFFFFF">
+                  <a:alpha val="0"/>
+                </a:srgbClr>
+              </a:clrTo>
+            </a:clrChange>
+          </a:blip>
+          <a:srcRect/>
+          <a:stretch>
+            <a:fillRect/>
+          </a:stretch>
+        </p:blipFill>
+        <p:spPr bwMode="auto">
+          <a:xfrm>
+            <a:off x="2915816" y="5445224"/>
+            <a:ext cx="219075" cy="342900"/>
           </a:xfrm>
           <a:prstGeom prst="rect">
             <a:avLst/>

--- a/Parameter Estimation Works/SERVO DRIVELINE TRANSMISSION AND FAULT MATHEMATICAL MODEL/flowchart_servo_fault.pptx
+++ b/Parameter Estimation Works/SERVO DRIVELINE TRANSMISSION AND FAULT MATHEMATICAL MODEL/flowchart_servo_fault.pptx
@@ -5,12 +5,13 @@
     <p:sldMasterId id="2147483648" r:id="rId1"/>
   </p:sldMasterIdLst>
   <p:notesMasterIdLst>
-    <p:notesMasterId r:id="rId5"/>
+    <p:notesMasterId r:id="rId6"/>
   </p:notesMasterIdLst>
   <p:sldIdLst>
     <p:sldId id="256" r:id="rId2"/>
     <p:sldId id="257" r:id="rId3"/>
     <p:sldId id="258" r:id="rId4"/>
+    <p:sldId id="259" r:id="rId5"/>
   </p:sldIdLst>
   <p:sldSz cx="9144000" cy="6858000" type="screen4x3"/>
   <p:notesSz cx="6858000" cy="9144000"/>
@@ -195,7 +196,7 @@
             <a:fld id="{6E366200-1722-4CDE-B6EE-1027A6DE0785}" type="datetimeFigureOut">
               <a:rPr lang="en-US" smtClean="0"/>
               <a:pPr/>
-              <a:t>10/23/2020</a:t>
+              <a:t>10/25/2020</a:t>
             </a:fld>
             <a:endParaRPr lang="en-US"/>
           </a:p>
@@ -725,7 +726,7 @@
             <a:fld id="{D9F75050-0E15-4C5B-92B0-66D068882F1F}" type="datetimeFigureOut">
               <a:rPr lang="tr-TR" smtClean="0"/>
               <a:pPr/>
-              <a:t>23.10.2020</a:t>
+              <a:t>25.10.2020</a:t>
             </a:fld>
             <a:endParaRPr lang="tr-TR"/>
           </a:p>
@@ -892,7 +893,7 @@
             <a:fld id="{D9F75050-0E15-4C5B-92B0-66D068882F1F}" type="datetimeFigureOut">
               <a:rPr lang="tr-TR" smtClean="0"/>
               <a:pPr/>
-              <a:t>23.10.2020</a:t>
+              <a:t>25.10.2020</a:t>
             </a:fld>
             <a:endParaRPr lang="tr-TR"/>
           </a:p>
@@ -1069,7 +1070,7 @@
             <a:fld id="{D9F75050-0E15-4C5B-92B0-66D068882F1F}" type="datetimeFigureOut">
               <a:rPr lang="tr-TR" smtClean="0"/>
               <a:pPr/>
-              <a:t>23.10.2020</a:t>
+              <a:t>25.10.2020</a:t>
             </a:fld>
             <a:endParaRPr lang="tr-TR"/>
           </a:p>
@@ -1236,7 +1237,7 @@
             <a:fld id="{D9F75050-0E15-4C5B-92B0-66D068882F1F}" type="datetimeFigureOut">
               <a:rPr lang="tr-TR" smtClean="0"/>
               <a:pPr/>
-              <a:t>23.10.2020</a:t>
+              <a:t>25.10.2020</a:t>
             </a:fld>
             <a:endParaRPr lang="tr-TR"/>
           </a:p>
@@ -1479,7 +1480,7 @@
             <a:fld id="{D9F75050-0E15-4C5B-92B0-66D068882F1F}" type="datetimeFigureOut">
               <a:rPr lang="tr-TR" smtClean="0"/>
               <a:pPr/>
-              <a:t>23.10.2020</a:t>
+              <a:t>25.10.2020</a:t>
             </a:fld>
             <a:endParaRPr lang="tr-TR"/>
           </a:p>
@@ -1764,7 +1765,7 @@
             <a:fld id="{D9F75050-0E15-4C5B-92B0-66D068882F1F}" type="datetimeFigureOut">
               <a:rPr lang="tr-TR" smtClean="0"/>
               <a:pPr/>
-              <a:t>23.10.2020</a:t>
+              <a:t>25.10.2020</a:t>
             </a:fld>
             <a:endParaRPr lang="tr-TR"/>
           </a:p>
@@ -2183,7 +2184,7 @@
             <a:fld id="{D9F75050-0E15-4C5B-92B0-66D068882F1F}" type="datetimeFigureOut">
               <a:rPr lang="tr-TR" smtClean="0"/>
               <a:pPr/>
-              <a:t>23.10.2020</a:t>
+              <a:t>25.10.2020</a:t>
             </a:fld>
             <a:endParaRPr lang="tr-TR"/>
           </a:p>
@@ -2298,7 +2299,7 @@
             <a:fld id="{D9F75050-0E15-4C5B-92B0-66D068882F1F}" type="datetimeFigureOut">
               <a:rPr lang="tr-TR" smtClean="0"/>
               <a:pPr/>
-              <a:t>23.10.2020</a:t>
+              <a:t>25.10.2020</a:t>
             </a:fld>
             <a:endParaRPr lang="tr-TR"/>
           </a:p>
@@ -2390,7 +2391,7 @@
             <a:fld id="{D9F75050-0E15-4C5B-92B0-66D068882F1F}" type="datetimeFigureOut">
               <a:rPr lang="tr-TR" smtClean="0"/>
               <a:pPr/>
-              <a:t>23.10.2020</a:t>
+              <a:t>25.10.2020</a:t>
             </a:fld>
             <a:endParaRPr lang="tr-TR"/>
           </a:p>
@@ -2664,7 +2665,7 @@
             <a:fld id="{D9F75050-0E15-4C5B-92B0-66D068882F1F}" type="datetimeFigureOut">
               <a:rPr lang="tr-TR" smtClean="0"/>
               <a:pPr/>
-              <a:t>23.10.2020</a:t>
+              <a:t>25.10.2020</a:t>
             </a:fld>
             <a:endParaRPr lang="tr-TR"/>
           </a:p>
@@ -2914,7 +2915,7 @@
             <a:fld id="{D9F75050-0E15-4C5B-92B0-66D068882F1F}" type="datetimeFigureOut">
               <a:rPr lang="tr-TR" smtClean="0"/>
               <a:pPr/>
-              <a:t>23.10.2020</a:t>
+              <a:t>25.10.2020</a:t>
             </a:fld>
             <a:endParaRPr lang="tr-TR"/>
           </a:p>
@@ -3124,7 +3125,7 @@
             <a:fld id="{D9F75050-0E15-4C5B-92B0-66D068882F1F}" type="datetimeFigureOut">
               <a:rPr lang="tr-TR" smtClean="0"/>
               <a:pPr/>
-              <a:t>23.10.2020</a:t>
+              <a:t>25.10.2020</a:t>
             </a:fld>
             <a:endParaRPr lang="tr-TR"/>
           </a:p>
@@ -13789,6 +13790,924 @@
 </p:sld>
 </file>
 
+<file path=ppt/slides/slide4.xml><?xml version="1.0" encoding="utf-8"?>
+<p:sld xmlns:a="http://schemas.openxmlformats.org/drawingml/2006/main" xmlns:r="http://schemas.openxmlformats.org/officeDocument/2006/relationships" xmlns:p="http://schemas.openxmlformats.org/presentationml/2006/main">
+  <p:cSld>
+    <p:spTree>
+      <p:nvGrpSpPr>
+        <p:cNvPr id="1" name=""/>
+        <p:cNvGrpSpPr/>
+        <p:nvPr/>
+      </p:nvGrpSpPr>
+      <p:grpSpPr>
+        <a:xfrm>
+          <a:off x="0" y="0"/>
+          <a:ext cx="0" cy="0"/>
+          <a:chOff x="0" y="0"/>
+          <a:chExt cx="0" cy="0"/>
+        </a:xfrm>
+      </p:grpSpPr>
+      <p:cxnSp>
+        <p:nvCxnSpPr>
+          <p:cNvPr id="41" name="40 Düz Ok Bağlayıcısı"/>
+          <p:cNvCxnSpPr/>
+          <p:nvPr/>
+        </p:nvCxnSpPr>
+        <p:spPr>
+          <a:xfrm>
+            <a:off x="2051720" y="3717032"/>
+            <a:ext cx="2448272" cy="0"/>
+          </a:xfrm>
+          <a:prstGeom prst="straightConnector1">
+            <a:avLst/>
+          </a:prstGeom>
+          <a:ln>
+            <a:tailEnd type="arrow"/>
+          </a:ln>
+        </p:spPr>
+        <p:style>
+          <a:lnRef idx="1">
+            <a:schemeClr val="accent1"/>
+          </a:lnRef>
+          <a:fillRef idx="0">
+            <a:schemeClr val="accent1"/>
+          </a:fillRef>
+          <a:effectRef idx="0">
+            <a:schemeClr val="accent1"/>
+          </a:effectRef>
+          <a:fontRef idx="minor">
+            <a:schemeClr val="tx1"/>
+          </a:fontRef>
+        </p:style>
+      </p:cxnSp>
+      <p:cxnSp>
+        <p:nvCxnSpPr>
+          <p:cNvPr id="42" name="41 Düz Ok Bağlayıcısı"/>
+          <p:cNvCxnSpPr/>
+          <p:nvPr/>
+        </p:nvCxnSpPr>
+        <p:spPr>
+          <a:xfrm>
+            <a:off x="5076056" y="3717032"/>
+            <a:ext cx="2376264" cy="0"/>
+          </a:xfrm>
+          <a:prstGeom prst="straightConnector1">
+            <a:avLst/>
+          </a:prstGeom>
+          <a:ln>
+            <a:tailEnd type="arrow"/>
+          </a:ln>
+        </p:spPr>
+        <p:style>
+          <a:lnRef idx="1">
+            <a:schemeClr val="accent1"/>
+          </a:lnRef>
+          <a:fillRef idx="0">
+            <a:schemeClr val="accent1"/>
+          </a:fillRef>
+          <a:effectRef idx="0">
+            <a:schemeClr val="accent1"/>
+          </a:effectRef>
+          <a:fontRef idx="minor">
+            <a:schemeClr val="tx1"/>
+          </a:fontRef>
+        </p:style>
+      </p:cxnSp>
+      <p:cxnSp>
+        <p:nvCxnSpPr>
+          <p:cNvPr id="44" name="43 Düz Ok Bağlayıcısı"/>
+          <p:cNvCxnSpPr/>
+          <p:nvPr/>
+        </p:nvCxnSpPr>
+        <p:spPr>
+          <a:xfrm flipV="1">
+            <a:off x="2051720" y="1916832"/>
+            <a:ext cx="0" cy="1800200"/>
+          </a:xfrm>
+          <a:prstGeom prst="straightConnector1">
+            <a:avLst/>
+          </a:prstGeom>
+          <a:ln>
+            <a:tailEnd type="arrow"/>
+          </a:ln>
+        </p:spPr>
+        <p:style>
+          <a:lnRef idx="1">
+            <a:schemeClr val="accent1"/>
+          </a:lnRef>
+          <a:fillRef idx="0">
+            <a:schemeClr val="accent1"/>
+          </a:fillRef>
+          <a:effectRef idx="0">
+            <a:schemeClr val="accent1"/>
+          </a:effectRef>
+          <a:fontRef idx="minor">
+            <a:schemeClr val="tx1"/>
+          </a:fontRef>
+        </p:style>
+      </p:cxnSp>
+      <p:cxnSp>
+        <p:nvCxnSpPr>
+          <p:cNvPr id="45" name="44 Düz Ok Bağlayıcısı"/>
+          <p:cNvCxnSpPr/>
+          <p:nvPr/>
+        </p:nvCxnSpPr>
+        <p:spPr>
+          <a:xfrm flipV="1">
+            <a:off x="5076056" y="1916832"/>
+            <a:ext cx="0" cy="1800200"/>
+          </a:xfrm>
+          <a:prstGeom prst="straightConnector1">
+            <a:avLst/>
+          </a:prstGeom>
+          <a:ln>
+            <a:tailEnd type="arrow"/>
+          </a:ln>
+        </p:spPr>
+        <p:style>
+          <a:lnRef idx="1">
+            <a:schemeClr val="accent1"/>
+          </a:lnRef>
+          <a:fillRef idx="0">
+            <a:schemeClr val="accent1"/>
+          </a:fillRef>
+          <a:effectRef idx="0">
+            <a:schemeClr val="accent1"/>
+          </a:effectRef>
+          <a:fontRef idx="minor">
+            <a:schemeClr val="tx1"/>
+          </a:fontRef>
+        </p:style>
+      </p:cxnSp>
+      <p:cxnSp>
+        <p:nvCxnSpPr>
+          <p:cNvPr id="47" name="46 Düz Bağlayıcı"/>
+          <p:cNvCxnSpPr/>
+          <p:nvPr/>
+        </p:nvCxnSpPr>
+        <p:spPr>
+          <a:xfrm flipV="1">
+            <a:off x="2051720" y="3176972"/>
+            <a:ext cx="936104" cy="540060"/>
+          </a:xfrm>
+          <a:prstGeom prst="line">
+            <a:avLst/>
+          </a:prstGeom>
+          <a:ln w="15875">
+            <a:solidFill>
+              <a:schemeClr val="tx1"/>
+            </a:solidFill>
+          </a:ln>
+        </p:spPr>
+        <p:style>
+          <a:lnRef idx="1">
+            <a:schemeClr val="accent1"/>
+          </a:lnRef>
+          <a:fillRef idx="0">
+            <a:schemeClr val="accent1"/>
+          </a:fillRef>
+          <a:effectRef idx="0">
+            <a:schemeClr val="accent1"/>
+          </a:effectRef>
+          <a:fontRef idx="minor">
+            <a:schemeClr val="tx1"/>
+          </a:fontRef>
+        </p:style>
+      </p:cxnSp>
+      <p:cxnSp>
+        <p:nvCxnSpPr>
+          <p:cNvPr id="49" name="48 Düz Bağlayıcı"/>
+          <p:cNvCxnSpPr/>
+          <p:nvPr/>
+        </p:nvCxnSpPr>
+        <p:spPr>
+          <a:xfrm flipV="1">
+            <a:off x="2987824" y="2456892"/>
+            <a:ext cx="36004" cy="720080"/>
+          </a:xfrm>
+          <a:prstGeom prst="line">
+            <a:avLst/>
+          </a:prstGeom>
+          <a:ln w="15875">
+            <a:solidFill>
+              <a:schemeClr val="tx1"/>
+            </a:solidFill>
+          </a:ln>
+        </p:spPr>
+        <p:style>
+          <a:lnRef idx="1">
+            <a:schemeClr val="accent1"/>
+          </a:lnRef>
+          <a:fillRef idx="0">
+            <a:schemeClr val="accent1"/>
+          </a:fillRef>
+          <a:effectRef idx="0">
+            <a:schemeClr val="accent1"/>
+          </a:effectRef>
+          <a:fontRef idx="minor">
+            <a:schemeClr val="tx1"/>
+          </a:fontRef>
+        </p:style>
+      </p:cxnSp>
+      <p:cxnSp>
+        <p:nvCxnSpPr>
+          <p:cNvPr id="51" name="50 Düz Bağlayıcı"/>
+          <p:cNvCxnSpPr/>
+          <p:nvPr/>
+        </p:nvCxnSpPr>
+        <p:spPr>
+          <a:xfrm>
+            <a:off x="3023828" y="2456892"/>
+            <a:ext cx="36004" cy="648072"/>
+          </a:xfrm>
+          <a:prstGeom prst="line">
+            <a:avLst/>
+          </a:prstGeom>
+          <a:ln w="15875">
+            <a:solidFill>
+              <a:schemeClr val="tx1"/>
+            </a:solidFill>
+          </a:ln>
+        </p:spPr>
+        <p:style>
+          <a:lnRef idx="1">
+            <a:schemeClr val="accent1"/>
+          </a:lnRef>
+          <a:fillRef idx="0">
+            <a:schemeClr val="accent1"/>
+          </a:fillRef>
+          <a:effectRef idx="0">
+            <a:schemeClr val="accent1"/>
+          </a:effectRef>
+          <a:fontRef idx="minor">
+            <a:schemeClr val="tx1"/>
+          </a:fontRef>
+        </p:style>
+      </p:cxnSp>
+      <p:cxnSp>
+        <p:nvCxnSpPr>
+          <p:cNvPr id="53" name="52 Düz Bağlayıcı"/>
+          <p:cNvCxnSpPr/>
+          <p:nvPr/>
+        </p:nvCxnSpPr>
+        <p:spPr>
+          <a:xfrm flipV="1">
+            <a:off x="3059832" y="2456892"/>
+            <a:ext cx="1080120" cy="648072"/>
+          </a:xfrm>
+          <a:prstGeom prst="line">
+            <a:avLst/>
+          </a:prstGeom>
+          <a:ln w="15875">
+            <a:solidFill>
+              <a:schemeClr val="tx1"/>
+            </a:solidFill>
+          </a:ln>
+        </p:spPr>
+        <p:style>
+          <a:lnRef idx="1">
+            <a:schemeClr val="accent1"/>
+          </a:lnRef>
+          <a:fillRef idx="0">
+            <a:schemeClr val="accent1"/>
+          </a:fillRef>
+          <a:effectRef idx="0">
+            <a:schemeClr val="accent1"/>
+          </a:effectRef>
+          <a:fontRef idx="minor">
+            <a:schemeClr val="tx1"/>
+          </a:fontRef>
+        </p:style>
+      </p:cxnSp>
+      <p:cxnSp>
+        <p:nvCxnSpPr>
+          <p:cNvPr id="55" name="54 Düz Bağlayıcı"/>
+          <p:cNvCxnSpPr/>
+          <p:nvPr/>
+        </p:nvCxnSpPr>
+        <p:spPr>
+          <a:xfrm flipV="1">
+            <a:off x="5076056" y="3176972"/>
+            <a:ext cx="972108" cy="540060"/>
+          </a:xfrm>
+          <a:prstGeom prst="line">
+            <a:avLst/>
+          </a:prstGeom>
+          <a:ln w="15875">
+            <a:solidFill>
+              <a:schemeClr val="tx1"/>
+            </a:solidFill>
+          </a:ln>
+        </p:spPr>
+        <p:style>
+          <a:lnRef idx="1">
+            <a:schemeClr val="accent1"/>
+          </a:lnRef>
+          <a:fillRef idx="0">
+            <a:schemeClr val="accent1"/>
+          </a:fillRef>
+          <a:effectRef idx="0">
+            <a:schemeClr val="accent1"/>
+          </a:effectRef>
+          <a:fontRef idx="minor">
+            <a:schemeClr val="tx1"/>
+          </a:fontRef>
+        </p:style>
+      </p:cxnSp>
+      <p:cxnSp>
+        <p:nvCxnSpPr>
+          <p:cNvPr id="57" name="56 Düz Bağlayıcı"/>
+          <p:cNvCxnSpPr/>
+          <p:nvPr/>
+        </p:nvCxnSpPr>
+        <p:spPr>
+          <a:xfrm flipV="1">
+            <a:off x="6048164" y="2492896"/>
+            <a:ext cx="72008" cy="684076"/>
+          </a:xfrm>
+          <a:prstGeom prst="line">
+            <a:avLst/>
+          </a:prstGeom>
+          <a:ln w="15875">
+            <a:solidFill>
+              <a:schemeClr val="tx1"/>
+            </a:solidFill>
+          </a:ln>
+        </p:spPr>
+        <p:style>
+          <a:lnRef idx="1">
+            <a:schemeClr val="accent1"/>
+          </a:lnRef>
+          <a:fillRef idx="0">
+            <a:schemeClr val="accent1"/>
+          </a:fillRef>
+          <a:effectRef idx="0">
+            <a:schemeClr val="accent1"/>
+          </a:effectRef>
+          <a:fontRef idx="minor">
+            <a:schemeClr val="tx1"/>
+          </a:fontRef>
+        </p:style>
+      </p:cxnSp>
+      <p:cxnSp>
+        <p:nvCxnSpPr>
+          <p:cNvPr id="59" name="58 Düz Bağlayıcı"/>
+          <p:cNvCxnSpPr/>
+          <p:nvPr/>
+        </p:nvCxnSpPr>
+        <p:spPr>
+          <a:xfrm flipV="1">
+            <a:off x="6120172" y="2132856"/>
+            <a:ext cx="576064" cy="360040"/>
+          </a:xfrm>
+          <a:prstGeom prst="line">
+            <a:avLst/>
+          </a:prstGeom>
+          <a:ln w="15875">
+            <a:solidFill>
+              <a:schemeClr val="tx1"/>
+            </a:solidFill>
+          </a:ln>
+        </p:spPr>
+        <p:style>
+          <a:lnRef idx="1">
+            <a:schemeClr val="accent1"/>
+          </a:lnRef>
+          <a:fillRef idx="0">
+            <a:schemeClr val="accent1"/>
+          </a:fillRef>
+          <a:effectRef idx="0">
+            <a:schemeClr val="accent1"/>
+          </a:effectRef>
+          <a:fontRef idx="minor">
+            <a:schemeClr val="tx1"/>
+          </a:fontRef>
+        </p:style>
+      </p:cxnSp>
+      <p:sp>
+        <p:nvSpPr>
+          <p:cNvPr id="62" name="61 Metin kutusu"/>
+          <p:cNvSpPr txBox="1"/>
+          <p:nvPr/>
+        </p:nvSpPr>
+        <p:spPr>
+          <a:xfrm rot="16200000">
+            <a:off x="1457866" y="2114642"/>
+            <a:ext cx="764953" cy="369332"/>
+          </a:xfrm>
+          <a:prstGeom prst="rect">
+            <a:avLst/>
+          </a:prstGeom>
+          <a:noFill/>
+        </p:spPr>
+        <p:txBody>
+          <a:bodyPr wrap="none" rtlCol="0">
+            <a:spAutoFit/>
+          </a:bodyPr>
+          <a:lstStyle/>
+          <a:p>
+            <a:r>
+              <a:rPr lang="en-US" dirty="0" smtClean="0"/>
+              <a:t>Speed</a:t>
+            </a:r>
+            <a:endParaRPr lang="en-US" dirty="0"/>
+          </a:p>
+        </p:txBody>
+      </p:sp>
+      <p:sp>
+        <p:nvSpPr>
+          <p:cNvPr id="63" name="62 Metin kutusu"/>
+          <p:cNvSpPr txBox="1"/>
+          <p:nvPr/>
+        </p:nvSpPr>
+        <p:spPr>
+          <a:xfrm rot="16200000">
+            <a:off x="4080681" y="2516162"/>
+            <a:ext cx="1567993" cy="369332"/>
+          </a:xfrm>
+          <a:prstGeom prst="rect">
+            <a:avLst/>
+          </a:prstGeom>
+          <a:noFill/>
+        </p:spPr>
+        <p:txBody>
+          <a:bodyPr wrap="none" rtlCol="0">
+            <a:spAutoFit/>
+          </a:bodyPr>
+          <a:lstStyle/>
+          <a:p>
+            <a:r>
+              <a:rPr lang="en-US" dirty="0" smtClean="0"/>
+              <a:t>Rotation Angle</a:t>
+            </a:r>
+            <a:endParaRPr lang="en-US" dirty="0"/>
+          </a:p>
+        </p:txBody>
+      </p:sp>
+      <p:sp>
+        <p:nvSpPr>
+          <p:cNvPr id="64" name="63 Metin kutusu"/>
+          <p:cNvSpPr txBox="1"/>
+          <p:nvPr/>
+        </p:nvSpPr>
+        <p:spPr>
+          <a:xfrm>
+            <a:off x="3959932" y="3717032"/>
+            <a:ext cx="614271" cy="369332"/>
+          </a:xfrm>
+          <a:prstGeom prst="rect">
+            <a:avLst/>
+          </a:prstGeom>
+          <a:noFill/>
+        </p:spPr>
+        <p:txBody>
+          <a:bodyPr wrap="none" rtlCol="0">
+            <a:spAutoFit/>
+          </a:bodyPr>
+          <a:lstStyle/>
+          <a:p>
+            <a:r>
+              <a:rPr lang="tr-TR" dirty="0" smtClean="0"/>
+              <a:t>time</a:t>
+            </a:r>
+            <a:endParaRPr lang="en-US" dirty="0"/>
+          </a:p>
+        </p:txBody>
+      </p:sp>
+      <p:sp>
+        <p:nvSpPr>
+          <p:cNvPr id="65" name="64 Metin kutusu"/>
+          <p:cNvSpPr txBox="1"/>
+          <p:nvPr/>
+        </p:nvSpPr>
+        <p:spPr>
+          <a:xfrm>
+            <a:off x="6910057" y="3717032"/>
+            <a:ext cx="614271" cy="369332"/>
+          </a:xfrm>
+          <a:prstGeom prst="rect">
+            <a:avLst/>
+          </a:prstGeom>
+          <a:noFill/>
+        </p:spPr>
+        <p:txBody>
+          <a:bodyPr wrap="none" rtlCol="0">
+            <a:spAutoFit/>
+          </a:bodyPr>
+          <a:lstStyle/>
+          <a:p>
+            <a:r>
+              <a:rPr lang="tr-TR" dirty="0" smtClean="0"/>
+              <a:t>time</a:t>
+            </a:r>
+            <a:endParaRPr lang="en-US" dirty="0"/>
+          </a:p>
+        </p:txBody>
+      </p:sp>
+      <p:cxnSp>
+        <p:nvCxnSpPr>
+          <p:cNvPr id="67" name="66 Düz Bağlayıcı"/>
+          <p:cNvCxnSpPr/>
+          <p:nvPr/>
+        </p:nvCxnSpPr>
+        <p:spPr>
+          <a:xfrm>
+            <a:off x="2987824" y="3176972"/>
+            <a:ext cx="0" cy="540060"/>
+          </a:xfrm>
+          <a:prstGeom prst="line">
+            <a:avLst/>
+          </a:prstGeom>
+          <a:ln>
+            <a:prstDash val="dash"/>
+          </a:ln>
+        </p:spPr>
+        <p:style>
+          <a:lnRef idx="1">
+            <a:schemeClr val="accent1"/>
+          </a:lnRef>
+          <a:fillRef idx="0">
+            <a:schemeClr val="accent1"/>
+          </a:fillRef>
+          <a:effectRef idx="0">
+            <a:schemeClr val="accent1"/>
+          </a:effectRef>
+          <a:fontRef idx="minor">
+            <a:schemeClr val="tx1"/>
+          </a:fontRef>
+        </p:style>
+      </p:cxnSp>
+      <p:cxnSp>
+        <p:nvCxnSpPr>
+          <p:cNvPr id="69" name="68 Düz Bağlayıcı"/>
+          <p:cNvCxnSpPr/>
+          <p:nvPr/>
+        </p:nvCxnSpPr>
+        <p:spPr>
+          <a:xfrm>
+            <a:off x="3059832" y="3068960"/>
+            <a:ext cx="0" cy="648072"/>
+          </a:xfrm>
+          <a:prstGeom prst="line">
+            <a:avLst/>
+          </a:prstGeom>
+          <a:ln>
+            <a:prstDash val="dash"/>
+          </a:ln>
+        </p:spPr>
+        <p:style>
+          <a:lnRef idx="1">
+            <a:schemeClr val="accent1"/>
+          </a:lnRef>
+          <a:fillRef idx="0">
+            <a:schemeClr val="accent1"/>
+          </a:fillRef>
+          <a:effectRef idx="0">
+            <a:schemeClr val="accent1"/>
+          </a:effectRef>
+          <a:fontRef idx="minor">
+            <a:schemeClr val="tx1"/>
+          </a:fontRef>
+        </p:style>
+      </p:cxnSp>
+      <p:cxnSp>
+        <p:nvCxnSpPr>
+          <p:cNvPr id="71" name="70 Düz Bağlayıcı"/>
+          <p:cNvCxnSpPr/>
+          <p:nvPr/>
+        </p:nvCxnSpPr>
+        <p:spPr>
+          <a:xfrm>
+            <a:off x="6048164" y="3176972"/>
+            <a:ext cx="0" cy="540060"/>
+          </a:xfrm>
+          <a:prstGeom prst="line">
+            <a:avLst/>
+          </a:prstGeom>
+          <a:ln>
+            <a:prstDash val="dash"/>
+          </a:ln>
+        </p:spPr>
+        <p:style>
+          <a:lnRef idx="1">
+            <a:schemeClr val="accent1"/>
+          </a:lnRef>
+          <a:fillRef idx="0">
+            <a:schemeClr val="accent1"/>
+          </a:fillRef>
+          <a:effectRef idx="0">
+            <a:schemeClr val="accent1"/>
+          </a:effectRef>
+          <a:fontRef idx="minor">
+            <a:schemeClr val="tx1"/>
+          </a:fontRef>
+        </p:style>
+      </p:cxnSp>
+      <p:cxnSp>
+        <p:nvCxnSpPr>
+          <p:cNvPr id="74" name="73 Düz Bağlayıcı"/>
+          <p:cNvCxnSpPr/>
+          <p:nvPr/>
+        </p:nvCxnSpPr>
+        <p:spPr>
+          <a:xfrm>
+            <a:off x="6120172" y="2492896"/>
+            <a:ext cx="0" cy="1224136"/>
+          </a:xfrm>
+          <a:prstGeom prst="line">
+            <a:avLst/>
+          </a:prstGeom>
+          <a:ln>
+            <a:prstDash val="dash"/>
+          </a:ln>
+        </p:spPr>
+        <p:style>
+          <a:lnRef idx="1">
+            <a:schemeClr val="accent1"/>
+          </a:lnRef>
+          <a:fillRef idx="0">
+            <a:schemeClr val="accent1"/>
+          </a:fillRef>
+          <a:effectRef idx="0">
+            <a:schemeClr val="accent1"/>
+          </a:effectRef>
+          <a:fontRef idx="minor">
+            <a:schemeClr val="tx1"/>
+          </a:fontRef>
+        </p:style>
+      </p:cxnSp>
+      <p:cxnSp>
+        <p:nvCxnSpPr>
+          <p:cNvPr id="76" name="75 Düz Bağlayıcı"/>
+          <p:cNvCxnSpPr/>
+          <p:nvPr/>
+        </p:nvCxnSpPr>
+        <p:spPr>
+          <a:xfrm flipH="1">
+            <a:off x="2051720" y="2456892"/>
+            <a:ext cx="972108" cy="0"/>
+          </a:xfrm>
+          <a:prstGeom prst="line">
+            <a:avLst/>
+          </a:prstGeom>
+          <a:ln>
+            <a:prstDash val="dash"/>
+          </a:ln>
+        </p:spPr>
+        <p:style>
+          <a:lnRef idx="1">
+            <a:schemeClr val="accent1"/>
+          </a:lnRef>
+          <a:fillRef idx="0">
+            <a:schemeClr val="accent1"/>
+          </a:fillRef>
+          <a:effectRef idx="0">
+            <a:schemeClr val="accent1"/>
+          </a:effectRef>
+          <a:fontRef idx="minor">
+            <a:schemeClr val="tx1"/>
+          </a:fontRef>
+        </p:style>
+      </p:cxnSp>
+      <p:cxnSp>
+        <p:nvCxnSpPr>
+          <p:cNvPr id="78" name="77 Düz Bağlayıcı"/>
+          <p:cNvCxnSpPr/>
+          <p:nvPr/>
+        </p:nvCxnSpPr>
+        <p:spPr>
+          <a:xfrm flipH="1">
+            <a:off x="2051720" y="3176972"/>
+            <a:ext cx="900100" cy="0"/>
+          </a:xfrm>
+          <a:prstGeom prst="line">
+            <a:avLst/>
+          </a:prstGeom>
+          <a:ln>
+            <a:prstDash val="dash"/>
+          </a:ln>
+        </p:spPr>
+        <p:style>
+          <a:lnRef idx="1">
+            <a:schemeClr val="accent1"/>
+          </a:lnRef>
+          <a:fillRef idx="0">
+            <a:schemeClr val="accent1"/>
+          </a:fillRef>
+          <a:effectRef idx="0">
+            <a:schemeClr val="accent1"/>
+          </a:effectRef>
+          <a:fontRef idx="minor">
+            <a:schemeClr val="tx1"/>
+          </a:fontRef>
+        </p:style>
+      </p:cxnSp>
+      <p:cxnSp>
+        <p:nvCxnSpPr>
+          <p:cNvPr id="81" name="80 Düz Bağlayıcı"/>
+          <p:cNvCxnSpPr/>
+          <p:nvPr/>
+        </p:nvCxnSpPr>
+        <p:spPr>
+          <a:xfrm flipH="1">
+            <a:off x="5076056" y="2492896"/>
+            <a:ext cx="1044116" cy="0"/>
+          </a:xfrm>
+          <a:prstGeom prst="line">
+            <a:avLst/>
+          </a:prstGeom>
+          <a:ln>
+            <a:prstDash val="dash"/>
+          </a:ln>
+        </p:spPr>
+        <p:style>
+          <a:lnRef idx="1">
+            <a:schemeClr val="accent1"/>
+          </a:lnRef>
+          <a:fillRef idx="0">
+            <a:schemeClr val="accent1"/>
+          </a:fillRef>
+          <a:effectRef idx="0">
+            <a:schemeClr val="accent1"/>
+          </a:effectRef>
+          <a:fontRef idx="minor">
+            <a:schemeClr val="tx1"/>
+          </a:fontRef>
+        </p:style>
+      </p:cxnSp>
+      <p:cxnSp>
+        <p:nvCxnSpPr>
+          <p:cNvPr id="83" name="82 Düz Bağlayıcı"/>
+          <p:cNvCxnSpPr/>
+          <p:nvPr/>
+        </p:nvCxnSpPr>
+        <p:spPr>
+          <a:xfrm flipH="1">
+            <a:off x="5076056" y="3176972"/>
+            <a:ext cx="972108" cy="0"/>
+          </a:xfrm>
+          <a:prstGeom prst="line">
+            <a:avLst/>
+          </a:prstGeom>
+          <a:ln>
+            <a:prstDash val="dash"/>
+          </a:ln>
+        </p:spPr>
+        <p:style>
+          <a:lnRef idx="1">
+            <a:schemeClr val="accent1"/>
+          </a:lnRef>
+          <a:fillRef idx="0">
+            <a:schemeClr val="accent1"/>
+          </a:fillRef>
+          <a:effectRef idx="0">
+            <a:schemeClr val="accent1"/>
+          </a:effectRef>
+          <a:fontRef idx="minor">
+            <a:schemeClr val="tx1"/>
+          </a:fontRef>
+        </p:style>
+      </p:cxnSp>
+      <p:sp>
+        <p:nvSpPr>
+          <p:cNvPr id="84" name="83 Metin kutusu"/>
+          <p:cNvSpPr txBox="1"/>
+          <p:nvPr/>
+        </p:nvSpPr>
+        <p:spPr>
+          <a:xfrm>
+            <a:off x="2519772" y="3717032"/>
+            <a:ext cx="1022331" cy="338554"/>
+          </a:xfrm>
+          <a:prstGeom prst="rect">
+            <a:avLst/>
+          </a:prstGeom>
+          <a:noFill/>
+        </p:spPr>
+        <p:txBody>
+          <a:bodyPr wrap="none" rtlCol="0">
+            <a:spAutoFit/>
+          </a:bodyPr>
+          <a:lstStyle/>
+          <a:p>
+            <a:r>
+              <a:rPr lang="en-US" sz="1600" dirty="0" smtClean="0"/>
+              <a:t>Fault time</a:t>
+            </a:r>
+            <a:endParaRPr lang="en-US" sz="1600" dirty="0"/>
+          </a:p>
+        </p:txBody>
+      </p:sp>
+      <p:sp>
+        <p:nvSpPr>
+          <p:cNvPr id="85" name="84 Dikdörtgen"/>
+          <p:cNvSpPr/>
+          <p:nvPr/>
+        </p:nvSpPr>
+        <p:spPr>
+          <a:xfrm>
+            <a:off x="5580112" y="3717032"/>
+            <a:ext cx="1022331" cy="338554"/>
+          </a:xfrm>
+          <a:prstGeom prst="rect">
+            <a:avLst/>
+          </a:prstGeom>
+        </p:spPr>
+        <p:txBody>
+          <a:bodyPr wrap="none">
+            <a:spAutoFit/>
+          </a:bodyPr>
+          <a:lstStyle/>
+          <a:p>
+            <a:r>
+              <a:rPr lang="en-US" sz="1600" dirty="0" smtClean="0"/>
+              <a:t>Fault time</a:t>
+            </a:r>
+            <a:endParaRPr lang="en-US" sz="1600" dirty="0"/>
+          </a:p>
+        </p:txBody>
+      </p:sp>
+      <p:sp>
+        <p:nvSpPr>
+          <p:cNvPr id="86" name="85 Metin kutusu"/>
+          <p:cNvSpPr txBox="1"/>
+          <p:nvPr/>
+        </p:nvSpPr>
+        <p:spPr>
+          <a:xfrm>
+            <a:off x="2123728" y="2528900"/>
+            <a:ext cx="640816" cy="584775"/>
+          </a:xfrm>
+          <a:prstGeom prst="rect">
+            <a:avLst/>
+          </a:prstGeom>
+          <a:noFill/>
+        </p:spPr>
+        <p:txBody>
+          <a:bodyPr wrap="none" rtlCol="0">
+            <a:spAutoFit/>
+          </a:bodyPr>
+          <a:lstStyle/>
+          <a:p>
+            <a:r>
+              <a:rPr lang="en-US" sz="1600" dirty="0" smtClean="0"/>
+              <a:t>Fault </a:t>
+            </a:r>
+            <a:endParaRPr lang="tr-TR" sz="1600" dirty="0" smtClean="0"/>
+          </a:p>
+          <a:p>
+            <a:r>
+              <a:rPr lang="en-US" sz="1600" dirty="0" smtClean="0"/>
+              <a:t>peak</a:t>
+            </a:r>
+            <a:endParaRPr lang="en-US" sz="1600" dirty="0"/>
+          </a:p>
+        </p:txBody>
+      </p:sp>
+      <p:sp>
+        <p:nvSpPr>
+          <p:cNvPr id="87" name="86 Metin kutusu"/>
+          <p:cNvSpPr txBox="1"/>
+          <p:nvPr/>
+        </p:nvSpPr>
+        <p:spPr>
+          <a:xfrm>
+            <a:off x="5112060" y="2528900"/>
+            <a:ext cx="895758" cy="584775"/>
+          </a:xfrm>
+          <a:prstGeom prst="rect">
+            <a:avLst/>
+          </a:prstGeom>
+          <a:noFill/>
+        </p:spPr>
+        <p:txBody>
+          <a:bodyPr wrap="none" rtlCol="0">
+            <a:spAutoFit/>
+          </a:bodyPr>
+          <a:lstStyle/>
+          <a:p>
+            <a:r>
+              <a:rPr lang="en-US" sz="1600" dirty="0" smtClean="0"/>
+              <a:t>Dummy</a:t>
+            </a:r>
+          </a:p>
+          <a:p>
+            <a:r>
+              <a:rPr lang="en-US" sz="1600" dirty="0" smtClean="0"/>
+              <a:t>Rotation</a:t>
+            </a:r>
+            <a:endParaRPr lang="en-US" sz="1600" dirty="0"/>
+          </a:p>
+        </p:txBody>
+      </p:sp>
+    </p:spTree>
+  </p:cSld>
+  <p:clrMapOvr>
+    <a:masterClrMapping/>
+  </p:clrMapOvr>
+</p:sld>
+</file>
+
 <file path=ppt/theme/theme1.xml><?xml version="1.0" encoding="utf-8"?>
 <a:theme xmlns:a="http://schemas.openxmlformats.org/drawingml/2006/main" name="Ofis Teması">
   <a:themeElements>

--- a/Parameter Estimation Works/SERVO DRIVELINE TRANSMISSION AND FAULT MATHEMATICAL MODEL/flowchart_servo_fault.pptx
+++ b/Parameter Estimation Works/SERVO DRIVELINE TRANSMISSION AND FAULT MATHEMATICAL MODEL/flowchart_servo_fault.pptx
@@ -5,13 +5,14 @@
     <p:sldMasterId id="2147483648" r:id="rId1"/>
   </p:sldMasterIdLst>
   <p:notesMasterIdLst>
-    <p:notesMasterId r:id="rId6"/>
+    <p:notesMasterId r:id="rId7"/>
   </p:notesMasterIdLst>
   <p:sldIdLst>
     <p:sldId id="256" r:id="rId2"/>
     <p:sldId id="257" r:id="rId3"/>
     <p:sldId id="258" r:id="rId4"/>
     <p:sldId id="259" r:id="rId5"/>
+    <p:sldId id="260" r:id="rId6"/>
   </p:sldIdLst>
   <p:sldSz cx="9144000" cy="6858000" type="screen4x3"/>
   <p:notesSz cx="6858000" cy="9144000"/>
@@ -196,7 +197,7 @@
             <a:fld id="{6E366200-1722-4CDE-B6EE-1027A6DE0785}" type="datetimeFigureOut">
               <a:rPr lang="en-US" smtClean="0"/>
               <a:pPr/>
-              <a:t>10/25/2020</a:t>
+              <a:t>10/28/2020</a:t>
             </a:fld>
             <a:endParaRPr lang="en-US"/>
           </a:p>
@@ -726,7 +727,7 @@
             <a:fld id="{D9F75050-0E15-4C5B-92B0-66D068882F1F}" type="datetimeFigureOut">
               <a:rPr lang="tr-TR" smtClean="0"/>
               <a:pPr/>
-              <a:t>25.10.2020</a:t>
+              <a:t>28.10.2020</a:t>
             </a:fld>
             <a:endParaRPr lang="tr-TR"/>
           </a:p>
@@ -893,7 +894,7 @@
             <a:fld id="{D9F75050-0E15-4C5B-92B0-66D068882F1F}" type="datetimeFigureOut">
               <a:rPr lang="tr-TR" smtClean="0"/>
               <a:pPr/>
-              <a:t>25.10.2020</a:t>
+              <a:t>28.10.2020</a:t>
             </a:fld>
             <a:endParaRPr lang="tr-TR"/>
           </a:p>
@@ -1070,7 +1071,7 @@
             <a:fld id="{D9F75050-0E15-4C5B-92B0-66D068882F1F}" type="datetimeFigureOut">
               <a:rPr lang="tr-TR" smtClean="0"/>
               <a:pPr/>
-              <a:t>25.10.2020</a:t>
+              <a:t>28.10.2020</a:t>
             </a:fld>
             <a:endParaRPr lang="tr-TR"/>
           </a:p>
@@ -1237,7 +1238,7 @@
             <a:fld id="{D9F75050-0E15-4C5B-92B0-66D068882F1F}" type="datetimeFigureOut">
               <a:rPr lang="tr-TR" smtClean="0"/>
               <a:pPr/>
-              <a:t>25.10.2020</a:t>
+              <a:t>28.10.2020</a:t>
             </a:fld>
             <a:endParaRPr lang="tr-TR"/>
           </a:p>
@@ -1480,7 +1481,7 @@
             <a:fld id="{D9F75050-0E15-4C5B-92B0-66D068882F1F}" type="datetimeFigureOut">
               <a:rPr lang="tr-TR" smtClean="0"/>
               <a:pPr/>
-              <a:t>25.10.2020</a:t>
+              <a:t>28.10.2020</a:t>
             </a:fld>
             <a:endParaRPr lang="tr-TR"/>
           </a:p>
@@ -1765,7 +1766,7 @@
             <a:fld id="{D9F75050-0E15-4C5B-92B0-66D068882F1F}" type="datetimeFigureOut">
               <a:rPr lang="tr-TR" smtClean="0"/>
               <a:pPr/>
-              <a:t>25.10.2020</a:t>
+              <a:t>28.10.2020</a:t>
             </a:fld>
             <a:endParaRPr lang="tr-TR"/>
           </a:p>
@@ -2184,7 +2185,7 @@
             <a:fld id="{D9F75050-0E15-4C5B-92B0-66D068882F1F}" type="datetimeFigureOut">
               <a:rPr lang="tr-TR" smtClean="0"/>
               <a:pPr/>
-              <a:t>25.10.2020</a:t>
+              <a:t>28.10.2020</a:t>
             </a:fld>
             <a:endParaRPr lang="tr-TR"/>
           </a:p>
@@ -2299,7 +2300,7 @@
             <a:fld id="{D9F75050-0E15-4C5B-92B0-66D068882F1F}" type="datetimeFigureOut">
               <a:rPr lang="tr-TR" smtClean="0"/>
               <a:pPr/>
-              <a:t>25.10.2020</a:t>
+              <a:t>28.10.2020</a:t>
             </a:fld>
             <a:endParaRPr lang="tr-TR"/>
           </a:p>
@@ -2391,7 +2392,7 @@
             <a:fld id="{D9F75050-0E15-4C5B-92B0-66D068882F1F}" type="datetimeFigureOut">
               <a:rPr lang="tr-TR" smtClean="0"/>
               <a:pPr/>
-              <a:t>25.10.2020</a:t>
+              <a:t>28.10.2020</a:t>
             </a:fld>
             <a:endParaRPr lang="tr-TR"/>
           </a:p>
@@ -2665,7 +2666,7 @@
             <a:fld id="{D9F75050-0E15-4C5B-92B0-66D068882F1F}" type="datetimeFigureOut">
               <a:rPr lang="tr-TR" smtClean="0"/>
               <a:pPr/>
-              <a:t>25.10.2020</a:t>
+              <a:t>28.10.2020</a:t>
             </a:fld>
             <a:endParaRPr lang="tr-TR"/>
           </a:p>
@@ -2915,7 +2916,7 @@
             <a:fld id="{D9F75050-0E15-4C5B-92B0-66D068882F1F}" type="datetimeFigureOut">
               <a:rPr lang="tr-TR" smtClean="0"/>
               <a:pPr/>
-              <a:t>25.10.2020</a:t>
+              <a:t>28.10.2020</a:t>
             </a:fld>
             <a:endParaRPr lang="tr-TR"/>
           </a:p>
@@ -3125,7 +3126,7 @@
             <a:fld id="{D9F75050-0E15-4C5B-92B0-66D068882F1F}" type="datetimeFigureOut">
               <a:rPr lang="tr-TR" smtClean="0"/>
               <a:pPr/>
-              <a:t>25.10.2020</a:t>
+              <a:t>28.10.2020</a:t>
             </a:fld>
             <a:endParaRPr lang="tr-TR"/>
           </a:p>
@@ -14708,6 +14709,166 @@
 </p:sld>
 </file>
 
+<file path=ppt/slides/slide5.xml><?xml version="1.0" encoding="utf-8"?>
+<p:sld xmlns:a="http://schemas.openxmlformats.org/drawingml/2006/main" xmlns:r="http://schemas.openxmlformats.org/officeDocument/2006/relationships" xmlns:p="http://schemas.openxmlformats.org/presentationml/2006/main">
+  <p:cSld>
+    <p:spTree>
+      <p:nvGrpSpPr>
+        <p:cNvPr id="1" name=""/>
+        <p:cNvGrpSpPr/>
+        <p:nvPr/>
+      </p:nvGrpSpPr>
+      <p:grpSpPr>
+        <a:xfrm>
+          <a:off x="0" y="0"/>
+          <a:ext cx="0" cy="0"/>
+          <a:chOff x="0" y="0"/>
+          <a:chExt cx="0" cy="0"/>
+        </a:xfrm>
+      </p:grpSpPr>
+      <p:grpSp>
+        <p:nvGrpSpPr>
+          <p:cNvPr id="7" name="6 Grup"/>
+          <p:cNvGrpSpPr>
+            <a:grpSpLocks noChangeAspect="1"/>
+          </p:cNvGrpSpPr>
+          <p:nvPr/>
+        </p:nvGrpSpPr>
+        <p:grpSpPr>
+          <a:xfrm>
+            <a:off x="3095857" y="1520787"/>
+            <a:ext cx="1440000" cy="1717153"/>
+            <a:chOff x="3095838" y="1520788"/>
+            <a:chExt cx="2879987" cy="3434306"/>
+          </a:xfrm>
+        </p:grpSpPr>
+        <p:pic>
+          <p:nvPicPr>
+            <p:cNvPr id="1026" name="Picture 2" descr="C:\Users\User\Desktop\PhD-Works\Parameter Estimation Works\SERVO DRIVELINE TRANSMISSION AND FAULT MATHEMATICAL MODEL\fault_gear.jpeg"/>
+            <p:cNvPicPr>
+              <a:picLocks noChangeAspect="1" noChangeArrowheads="1"/>
+            </p:cNvPicPr>
+            <p:nvPr/>
+          </p:nvPicPr>
+          <p:blipFill>
+            <a:blip r:embed="rId2" cstate="print"/>
+            <a:srcRect/>
+            <a:stretch>
+              <a:fillRect/>
+            </a:stretch>
+          </p:blipFill>
+          <p:spPr bwMode="auto">
+            <a:xfrm>
+              <a:off x="3095838" y="1520788"/>
+              <a:ext cx="2879987" cy="3434306"/>
+            </a:xfrm>
+            <a:prstGeom prst="rect">
+              <a:avLst/>
+            </a:prstGeom>
+            <a:noFill/>
+          </p:spPr>
+        </p:pic>
+        <p:sp>
+          <p:nvSpPr>
+            <p:cNvPr id="5" name="4 Oval"/>
+            <p:cNvSpPr/>
+            <p:nvPr/>
+          </p:nvSpPr>
+          <p:spPr>
+            <a:xfrm>
+              <a:off x="3923928" y="2312876"/>
+              <a:ext cx="1152000" cy="1152128"/>
+            </a:xfrm>
+            <a:prstGeom prst="ellipse">
+              <a:avLst/>
+            </a:prstGeom>
+            <a:noFill/>
+            <a:ln>
+              <a:solidFill>
+                <a:srgbClr val="FF0000"/>
+              </a:solidFill>
+            </a:ln>
+          </p:spPr>
+          <p:style>
+            <a:lnRef idx="2">
+              <a:schemeClr val="accent1">
+                <a:shade val="50000"/>
+              </a:schemeClr>
+            </a:lnRef>
+            <a:fillRef idx="1">
+              <a:schemeClr val="accent1"/>
+            </a:fillRef>
+            <a:effectRef idx="0">
+              <a:schemeClr val="accent1"/>
+            </a:effectRef>
+            <a:fontRef idx="minor">
+              <a:schemeClr val="lt1"/>
+            </a:fontRef>
+          </p:style>
+          <p:txBody>
+            <a:bodyPr rtlCol="0" anchor="ctr"/>
+            <a:lstStyle/>
+            <a:p>
+              <a:pPr algn="ctr"/>
+              <a:endParaRPr lang="en-US"/>
+            </a:p>
+          </p:txBody>
+        </p:sp>
+        <p:sp>
+          <p:nvSpPr>
+            <p:cNvPr id="6" name="5 Oval"/>
+            <p:cNvSpPr/>
+            <p:nvPr/>
+          </p:nvSpPr>
+          <p:spPr>
+            <a:xfrm>
+              <a:off x="4355976" y="3609020"/>
+              <a:ext cx="396044" cy="396044"/>
+            </a:xfrm>
+            <a:prstGeom prst="ellipse">
+              <a:avLst/>
+            </a:prstGeom>
+            <a:noFill/>
+            <a:ln>
+              <a:solidFill>
+                <a:srgbClr val="FF0000"/>
+              </a:solidFill>
+            </a:ln>
+          </p:spPr>
+          <p:style>
+            <a:lnRef idx="2">
+              <a:schemeClr val="accent1">
+                <a:shade val="50000"/>
+              </a:schemeClr>
+            </a:lnRef>
+            <a:fillRef idx="1">
+              <a:schemeClr val="accent1"/>
+            </a:fillRef>
+            <a:effectRef idx="0">
+              <a:schemeClr val="accent1"/>
+            </a:effectRef>
+            <a:fontRef idx="minor">
+              <a:schemeClr val="lt1"/>
+            </a:fontRef>
+          </p:style>
+          <p:txBody>
+            <a:bodyPr rtlCol="0" anchor="ctr"/>
+            <a:lstStyle/>
+            <a:p>
+              <a:pPr algn="ctr"/>
+              <a:endParaRPr lang="en-US"/>
+            </a:p>
+          </p:txBody>
+        </p:sp>
+      </p:grpSp>
+    </p:spTree>
+  </p:cSld>
+  <p:clrMapOvr>
+    <a:masterClrMapping/>
+  </p:clrMapOvr>
+</p:sld>
+</file>
+
 <file path=ppt/theme/theme1.xml><?xml version="1.0" encoding="utf-8"?>
 <a:theme xmlns:a="http://schemas.openxmlformats.org/drawingml/2006/main" name="Ofis Teması">
   <a:themeElements>
